--- a/Vue/page1/vue_基础.pptx
+++ b/Vue/page1/vue_基础.pptx
@@ -224,7 +224,7 @@
           <a:p>
             <a:fld id="{94EA9A77-0CE4-4E25-84E3-55E75407559E}" type="datetimeFigureOut">
               <a:rPr lang="zh-CN" altLang="en-US" smtClean="0"/>
-              <a:t>2017/7/13</a:t>
+              <a:t>2018/4/4</a:t>
             </a:fld>
             <a:endParaRPr lang="zh-CN" altLang="en-US"/>
           </a:p>
@@ -1037,7 +1037,7 @@
           <a:p>
             <a:fld id="{A94A5677-1990-4DEF-94A6-269AB3DAB6C5}" type="datetimeFigureOut">
               <a:rPr lang="zh-CN" altLang="en-US" smtClean="0"/>
-              <a:t>2017/7/13</a:t>
+              <a:t>2018/4/4</a:t>
             </a:fld>
             <a:endParaRPr lang="zh-CN" altLang="en-US"/>
           </a:p>
@@ -8957,7 +8957,7 @@
           <p:cNvPr id="2" name="标题 1">
             <a:extLst>
               <a:ext uri="{FF2B5EF4-FFF2-40B4-BE49-F238E27FC236}">
-                <a16:creationId xmlns:a16="http://schemas.microsoft.com/office/drawing/2014/main" xmlns="" id="{A957232D-E516-428B-9286-9A42CDF65A66}"/>
+                <a16:creationId xmlns="" xmlns:a16="http://schemas.microsoft.com/office/drawing/2014/main" id="{A957232D-E516-428B-9286-9A42CDF65A66}"/>
               </a:ext>
             </a:extLst>
           </p:cNvPr>
@@ -12776,7 +12776,21 @@
           <a:p>
             <a:r>
               <a:rPr lang="zh-CN" altLang="en-US" dirty="0"/>
-              <a:t>第三方跑分（仅供参考） </a:t>
+              <a:t>第三方跑分（</a:t>
+            </a:r>
+            <a:r>
+              <a:rPr lang="zh-CN" altLang="en-US" dirty="0" smtClean="0"/>
+              <a:t>仅供参考）</a:t>
+            </a:r>
+            <a:endParaRPr lang="en-US" altLang="zh-CN" dirty="0" smtClean="0"/>
+          </a:p>
+          <a:p>
+            <a:pPr marL="0" indent="0">
+              <a:buNone/>
+            </a:pPr>
+            <a:r>
+              <a:rPr lang="zh-CN" altLang="en-US" dirty="0"/>
+              <a:t> </a:t>
             </a:r>
             <a:r>
               <a:rPr lang="en-US" altLang="zh-CN" dirty="0">
